--- a/overall.pptx
+++ b/overall.pptx
@@ -556,7 +556,7 @@
             <a:fld id="{0B25AC41-3BEC-9247-8322-91B80C013F2D}" type="datetimeFigureOut">
               <a:rPr lang="en-US" smtClean="0"/>
               <a:pPr/>
-              <a:t>2/8/2018</a:t>
+              <a:t>2/11/2018</a:t>
             </a:fld>
             <a:endParaRPr lang="en-US" dirty="0"/>
           </a:p>
@@ -6646,14 +6646,14 @@
           <a:effectLst/>
           <a:extLst>
             <a:ext uri="{909E8E84-426E-40dd-AFC4-6F175D3DCCD1}">
-              <a14:hiddenFill xmlns="" xmlns:a14="http://schemas.microsoft.com/office/drawing/2010/main">
+              <a14:hiddenFill xmlns:a14="http://schemas.microsoft.com/office/drawing/2010/main" xmlns="">
                 <a:solidFill>
                   <a:schemeClr val="accent1"/>
                 </a:solidFill>
               </a14:hiddenFill>
             </a:ext>
             <a:ext uri="{91240B29-F687-4f45-9708-019B960494DF}">
-              <a14:hiddenLine xmlns="" xmlns:a14="http://schemas.microsoft.com/office/drawing/2010/main" w="9525">
+              <a14:hiddenLine xmlns:a14="http://schemas.microsoft.com/office/drawing/2010/main" xmlns="" w="9525">
                 <a:solidFill>
                   <a:schemeClr val="tx1"/>
                 </a:solidFill>
@@ -6663,7 +6663,7 @@
               </a14:hiddenLine>
             </a:ext>
             <a:ext uri="{AF507438-7753-43e0-B8FC-AC1667EBCBE1}">
-              <a14:hiddenEffects xmlns="" xmlns:a14="http://schemas.microsoft.com/office/drawing/2010/main">
+              <a14:hiddenEffects xmlns:a14="http://schemas.microsoft.com/office/drawing/2010/main" xmlns="">
                 <a:effectLst>
                   <a:outerShdw dist="35921" dir="2700000" algn="ctr" rotWithShape="0">
                     <a:schemeClr val="bg2"/>
@@ -29851,8 +29851,8 @@
         </p:nvSpPr>
         <p:spPr>
           <a:xfrm>
-            <a:off x="3805727" y="2452642"/>
-            <a:ext cx="709301" cy="777667"/>
+            <a:off x="3613160" y="2452642"/>
+            <a:ext cx="1116651" cy="777667"/>
           </a:xfrm>
           <a:prstGeom prst="flowChartProcess">
             <a:avLst/>
@@ -29886,6 +29886,21 @@
           <a:lstStyle/>
           <a:p>
             <a:pPr algn="ctr"/>
+            <a:r>
+              <a:rPr lang="en-US" dirty="0"/>
+              <a:t>Top</a:t>
+            </a:r>
+            <a:r>
+              <a:rPr lang="ja-JP" altLang="en-US" dirty="0"/>
+              <a:t>　</a:t>
+            </a:r>
+            <a:r>
+              <a:rPr lang="en-US" dirty="0"/>
+              <a:t>page</a:t>
+            </a:r>
+          </a:p>
+          <a:p>
+            <a:pPr algn="ctr"/>
             <a:endParaRPr lang="en-US" dirty="0"/>
           </a:p>
         </p:txBody>
@@ -29904,8 +29919,8 @@
         </p:nvSpPr>
         <p:spPr>
           <a:xfrm>
-            <a:off x="3805727" y="1365903"/>
-            <a:ext cx="709301" cy="777667"/>
+            <a:off x="3489247" y="1365903"/>
+            <a:ext cx="1364479" cy="777667"/>
           </a:xfrm>
           <a:prstGeom prst="flowChartProcess">
             <a:avLst/>
@@ -29939,7 +29954,15 @@
           <a:lstStyle/>
           <a:p>
             <a:pPr algn="ctr"/>
-            <a:endParaRPr lang="en-US" dirty="0"/>
+            <a:r>
+              <a:rPr lang="en-US" sz="1000" dirty="0"/>
+              <a:t>Csv</a:t>
+            </a:r>
+            <a:r>
+              <a:rPr lang="ja-JP" altLang="en-US" sz="1000" dirty="0"/>
+              <a:t>アップロード画面</a:t>
+            </a:r>
+            <a:endParaRPr lang="en-US" sz="1000" dirty="0"/>
           </a:p>
         </p:txBody>
       </p:sp>
@@ -30123,7 +30146,7 @@
         <p:spPr>
           <a:xfrm flipH="1" flipV="1">
             <a:off x="3164891" y="2841475"/>
-            <a:ext cx="640836" cy="1"/>
+            <a:ext cx="448269" cy="1"/>
           </a:xfrm>
           <a:prstGeom prst="straightConnector1">
             <a:avLst/>
@@ -30165,8 +30188,8 @@
         </p:nvCxnSpPr>
         <p:spPr>
           <a:xfrm flipH="1" flipV="1">
-            <a:off x="4160378" y="3230309"/>
-            <a:ext cx="11109" cy="549863"/>
+            <a:off x="4171486" y="3230309"/>
+            <a:ext cx="1" cy="549863"/>
           </a:xfrm>
           <a:prstGeom prst="straightConnector1">
             <a:avLst/>
@@ -30208,8 +30231,8 @@
         </p:nvCxnSpPr>
         <p:spPr>
           <a:xfrm flipV="1">
-            <a:off x="4160378" y="2143570"/>
-            <a:ext cx="0" cy="309072"/>
+            <a:off x="4171486" y="2143570"/>
+            <a:ext cx="1" cy="309072"/>
           </a:xfrm>
           <a:prstGeom prst="straightConnector1">
             <a:avLst/>
@@ -30252,7 +30275,7 @@
         <p:spPr>
           <a:xfrm flipH="1" flipV="1">
             <a:off x="2908863" y="1754735"/>
-            <a:ext cx="896864" cy="2"/>
+            <a:ext cx="580384" cy="2"/>
           </a:xfrm>
           <a:prstGeom prst="straightConnector1">
             <a:avLst/>
@@ -30294,8 +30317,8 @@
         </p:nvCxnSpPr>
         <p:spPr>
           <a:xfrm flipV="1">
-            <a:off x="4160378" y="1056832"/>
-            <a:ext cx="11109" cy="309071"/>
+            <a:off x="4171487" y="1056832"/>
+            <a:ext cx="0" cy="309071"/>
           </a:xfrm>
           <a:prstGeom prst="straightConnector1">
             <a:avLst/>
@@ -46467,15 +46490,6 @@
 </file>
 
 <file path=customXml/item1.xml><?xml version="1.0" encoding="utf-8"?>
-<?mso-contentType ?>
-<FormTemplates xmlns="http://schemas.microsoft.com/sharepoint/v3/contenttype/forms">
-  <Display>DocumentLibraryForm</Display>
-  <Edit>DocumentLibraryForm</Edit>
-  <New>DocumentLibraryForm</New>
-</FormTemplates>
-</file>
-
-<file path=customXml/item2.xml><?xml version="1.0" encoding="utf-8"?>
 <ct:contentTypeSchema xmlns:ct="http://schemas.microsoft.com/office/2006/metadata/contentType" xmlns:ma="http://schemas.microsoft.com/office/2006/metadata/properties/metaAttributes" ct:_="" ma:_="" ma:contentTypeName="Document" ma:contentTypeID="0x010100D26A3D6C04DFD740953BA1B2B9E62D60" ma:contentTypeVersion="0" ma:contentTypeDescription="Create a new document." ma:contentTypeScope="" ma:versionID="26617cd14cd3af163c0e97ff614e520a">
   <xsd:schema xmlns:xsd="http://www.w3.org/2001/XMLSchema" xmlns:xs="http://www.w3.org/2001/XMLSchema" xmlns:p="http://schemas.microsoft.com/office/2006/metadata/properties" targetNamespace="http://schemas.microsoft.com/office/2006/metadata/properties" ma:root="true" ma:fieldsID="c64490b4aec6201516c3a874156f37b2">
     <xsd:element name="properties">
@@ -46589,6 +46603,15 @@
 </ct:contentTypeSchema>
 </file>
 
+<file path=customXml/item2.xml><?xml version="1.0" encoding="utf-8"?>
+<?mso-contentType ?>
+<FormTemplates xmlns="http://schemas.microsoft.com/sharepoint/v3/contenttype/forms">
+  <Display>DocumentLibraryForm</Display>
+  <Edit>DocumentLibraryForm</Edit>
+  <New>DocumentLibraryForm</New>
+</FormTemplates>
+</file>
+
 <file path=customXml/item3.xml><?xml version="1.0" encoding="utf-8"?>
 <p:properties xmlns:p="http://schemas.microsoft.com/office/2006/metadata/properties" xmlns:xsi="http://www.w3.org/2001/XMLSchema-instance">
   <documentManagement/>
@@ -46596,14 +46619,6 @@
 </file>
 
 <file path=customXml/itemProps1.xml><?xml version="1.0" encoding="utf-8"?>
-<ds:datastoreItem xmlns:ds="http://schemas.openxmlformats.org/officeDocument/2006/customXml" ds:itemID="{705B35A6-8B52-46A5-AE45-B98C6459DC10}">
-  <ds:schemaRefs>
-    <ds:schemaRef ds:uri="http://schemas.microsoft.com/sharepoint/v3/contenttype/forms"/>
-  </ds:schemaRefs>
-</ds:datastoreItem>
-</file>
-
-<file path=customXml/itemProps2.xml><?xml version="1.0" encoding="utf-8"?>
 <ds:datastoreItem xmlns:ds="http://schemas.openxmlformats.org/officeDocument/2006/customXml" ds:itemID="{51A3258A-222C-4488-825E-7520D001FB75}">
   <ds:schemaRefs>
     <ds:schemaRef ds:uri="http://schemas.microsoft.com/office/2006/metadata/contentType"/>
@@ -46615,6 +46630,14 @@
     <ds:schemaRef ds:uri="http://purl.org/dc/terms/"/>
     <ds:schemaRef ds:uri="http://schemas.microsoft.com/internal/obd"/>
     <ds:schemaRef ds:uri="http://schemas.microsoft.com/office/infopath/2007/PartnerControls"/>
+  </ds:schemaRefs>
+</ds:datastoreItem>
+</file>
+
+<file path=customXml/itemProps2.xml><?xml version="1.0" encoding="utf-8"?>
+<ds:datastoreItem xmlns:ds="http://schemas.openxmlformats.org/officeDocument/2006/customXml" ds:itemID="{705B35A6-8B52-46A5-AE45-B98C6459DC10}">
+  <ds:schemaRefs>
+    <ds:schemaRef ds:uri="http://schemas.microsoft.com/sharepoint/v3/contenttype/forms"/>
   </ds:schemaRefs>
 </ds:datastoreItem>
 </file>
